--- a/elasticsearch/Oscar_INCyclopedia_RR_2019.pptx
+++ b/elasticsearch/Oscar_INCyclopedia_RR_2019.pptx
@@ -8,20 +8,21 @@
     <p:sldMasterId id="2147483725" r:id="rId4"/>
   </p:sldMasterIdLst>
   <p:notesMasterIdLst>
-    <p:notesMasterId r:id="rId16"/>
+    <p:notesMasterId r:id="rId17"/>
   </p:notesMasterIdLst>
   <p:sldIdLst>
     <p:sldId id="256" r:id="rId5"/>
     <p:sldId id="275" r:id="rId6"/>
     <p:sldId id="303" r:id="rId7"/>
-    <p:sldId id="304" r:id="rId8"/>
-    <p:sldId id="307" r:id="rId9"/>
+    <p:sldId id="309" r:id="rId8"/>
+    <p:sldId id="304" r:id="rId9"/>
     <p:sldId id="305" r:id="rId10"/>
     <p:sldId id="261" r:id="rId11"/>
     <p:sldId id="306" r:id="rId12"/>
     <p:sldId id="262" r:id="rId13"/>
-    <p:sldId id="278" r:id="rId14"/>
-    <p:sldId id="308" r:id="rId15"/>
+    <p:sldId id="307" r:id="rId14"/>
+    <p:sldId id="278" r:id="rId15"/>
+    <p:sldId id="308" r:id="rId16"/>
   </p:sldIdLst>
   <p:sldSz cx="12192000" cy="6858000"/>
   <p:notesSz cx="6858000" cy="9144000"/>
@@ -210,7 +211,7 @@
           <a:p>
             <a:fld id="{83E6ED7A-D139-43E5-8E65-9D6934A164D9}" type="datetimeFigureOut">
               <a:rPr lang="en-US" smtClean="0"/>
-              <a:t>11/14/2019</a:t>
+              <a:t>11/15/2019</a:t>
             </a:fld>
             <a:endParaRPr lang="en-US"/>
           </a:p>
@@ -787,7 +788,7 @@
                 </a:spcAft>
                 <a:defRPr/>
               </a:pPr>
-              <a:t>4</a:t>
+              <a:t>5</a:t>
             </a:fld>
             <a:endParaRPr lang="en-US" sz="800" dirty="0">
               <a:solidFill>
@@ -904,7 +905,7 @@
                 </a:spcAft>
                 <a:defRPr/>
               </a:pPr>
-              <a:t>5</a:t>
+              <a:t>7</a:t>
             </a:fld>
             <a:endParaRPr lang="en-US" sz="800" dirty="0">
               <a:solidFill>
@@ -918,7 +919,7 @@
     </p:spTree>
     <p:extLst>
       <p:ext uri="{BB962C8B-B14F-4D97-AF65-F5344CB8AC3E}">
-        <p14:creationId xmlns:p14="http://schemas.microsoft.com/office/powerpoint/2010/main" val="867119620"/>
+        <p14:creationId xmlns:p14="http://schemas.microsoft.com/office/powerpoint/2010/main" val="4013198095"/>
       </p:ext>
     </p:extLst>
   </p:cSld>
@@ -1021,7 +1022,7 @@
                 </a:spcAft>
                 <a:defRPr/>
               </a:pPr>
-              <a:t>7</a:t>
+              <a:t>8</a:t>
             </a:fld>
             <a:endParaRPr lang="en-US" sz="800" dirty="0">
               <a:solidFill>
@@ -1035,7 +1036,7 @@
     </p:spTree>
     <p:extLst>
       <p:ext uri="{BB962C8B-B14F-4D97-AF65-F5344CB8AC3E}">
-        <p14:creationId xmlns:p14="http://schemas.microsoft.com/office/powerpoint/2010/main" val="4013198095"/>
+        <p14:creationId xmlns:p14="http://schemas.microsoft.com/office/powerpoint/2010/main" val="2808787288"/>
       </p:ext>
     </p:extLst>
   </p:cSld>
@@ -1138,7 +1139,7 @@
                 </a:spcAft>
                 <a:defRPr/>
               </a:pPr>
-              <a:t>8</a:t>
+              <a:t>10</a:t>
             </a:fld>
             <a:endParaRPr lang="en-US" sz="800" dirty="0">
               <a:solidFill>
@@ -1152,7 +1153,7 @@
     </p:spTree>
     <p:extLst>
       <p:ext uri="{BB962C8B-B14F-4D97-AF65-F5344CB8AC3E}">
-        <p14:creationId xmlns:p14="http://schemas.microsoft.com/office/powerpoint/2010/main" val="2808787288"/>
+        <p14:creationId xmlns:p14="http://schemas.microsoft.com/office/powerpoint/2010/main" val="867119620"/>
       </p:ext>
     </p:extLst>
   </p:cSld>
@@ -1255,7 +1256,7 @@
                 </a:spcAft>
                 <a:defRPr/>
               </a:pPr>
-              <a:t>10</a:t>
+              <a:t>11</a:t>
             </a:fld>
             <a:endParaRPr lang="en-US" sz="800" dirty="0">
               <a:solidFill>
@@ -1372,7 +1373,7 @@
                 </a:spcAft>
                 <a:defRPr/>
               </a:pPr>
-              <a:t>11</a:t>
+              <a:t>12</a:t>
             </a:fld>
             <a:endParaRPr lang="en-US" sz="800" dirty="0">
               <a:solidFill>
@@ -13243,7 +13244,7 @@
                   <a:srgbClr val="007DB8"/>
                 </a:buClr>
               </a:pPr>
-              <a:t>11/14/2019</a:t>
+              <a:t>11/15/2019</a:t>
             </a:fld>
             <a:endParaRPr lang="en-US" sz="1200" dirty="0">
               <a:solidFill>
@@ -13309,7 +13310,7 @@
                   <a:srgbClr val="007DB8"/>
                 </a:buClr>
               </a:pPr>
-              <a:t>11/14/2019</a:t>
+              <a:t>11/15/2019</a:t>
             </a:fld>
             <a:endParaRPr lang="en-US" sz="1200" dirty="0">
               <a:solidFill>
@@ -14268,7 +14269,7 @@
                   <a:srgbClr val="000000"/>
                 </a:buClr>
               </a:pPr>
-              <a:t>11/14/2019</a:t>
+              <a:t>11/15/2019</a:t>
             </a:fld>
             <a:endParaRPr lang="en-US" sz="1200" dirty="0">
               <a:solidFill>
@@ -14334,7 +14335,7 @@
                   <a:srgbClr val="000000"/>
                 </a:buClr>
               </a:pPr>
-              <a:t>11/14/2019</a:t>
+              <a:t>11/15/2019</a:t>
             </a:fld>
             <a:endParaRPr lang="en-US" sz="1200" dirty="0">
               <a:solidFill>
@@ -15035,7 +15036,7 @@
                   <a:srgbClr val="007DB8"/>
                 </a:buClr>
               </a:pPr>
-              <a:t>11/14/2019</a:t>
+              <a:t>11/15/2019</a:t>
             </a:fld>
             <a:endParaRPr lang="en-US" sz="1200" dirty="0">
               <a:solidFill>
@@ -15101,7 +15102,7 @@
                   <a:srgbClr val="007DB8"/>
                 </a:buClr>
               </a:pPr>
-              <a:t>11/14/2019</a:t>
+              <a:t>11/15/2019</a:t>
             </a:fld>
             <a:endParaRPr lang="en-US" sz="1200" dirty="0">
               <a:solidFill>
@@ -15895,7 +15896,7 @@
                   <a:srgbClr val="007DB8"/>
                 </a:buClr>
               </a:pPr>
-              <a:t>11/14/2019</a:t>
+              <a:t>11/15/2019</a:t>
             </a:fld>
             <a:endParaRPr lang="en-US" sz="1200" dirty="0">
               <a:solidFill>
@@ -15961,7 +15962,7 @@
                   <a:srgbClr val="007DB8"/>
                 </a:buClr>
               </a:pPr>
-              <a:t>11/14/2019</a:t>
+              <a:t>11/15/2019</a:t>
             </a:fld>
             <a:endParaRPr lang="en-US" sz="1200" dirty="0">
               <a:solidFill>
@@ -17077,6 +17078,257 @@
       </p:grpSpPr>
       <p:sp>
         <p:nvSpPr>
+          <p:cNvPr id="3" name="Title 2"/>
+          <p:cNvSpPr>
+            <a:spLocks noGrp="1"/>
+          </p:cNvSpPr>
+          <p:nvPr>
+            <p:ph type="title"/>
+          </p:nvPr>
+        </p:nvSpPr>
+        <p:spPr>
+          <a:xfrm>
+            <a:off x="365759" y="362515"/>
+            <a:ext cx="9103361" cy="853440"/>
+          </a:xfrm>
+          <a:solidFill>
+            <a:schemeClr val="tx2"/>
+          </a:solidFill>
+        </p:spPr>
+        <p:txBody>
+          <a:bodyPr>
+            <a:normAutofit fontScale="90000"/>
+          </a:bodyPr>
+          <a:lstStyle/>
+          <a:p>
+            <a:r>
+              <a:rPr lang="en-US" sz="4000" dirty="0"/>
+              <a:t>Future Enhancements</a:t>
+            </a:r>
+            <a:br>
+              <a:rPr lang="en-US" sz="4000" dirty="0"/>
+            </a:br>
+            <a:endParaRPr lang="en-US" dirty="0">
+              <a:solidFill>
+                <a:schemeClr val="tx2">
+                  <a:lumMod val="75000"/>
+                </a:schemeClr>
+              </a:solidFill>
+            </a:endParaRPr>
+          </a:p>
+        </p:txBody>
+      </p:sp>
+      <p:sp>
+        <p:nvSpPr>
+          <p:cNvPr id="2" name="Content Placeholder 1"/>
+          <p:cNvSpPr>
+            <a:spLocks noGrp="1"/>
+          </p:cNvSpPr>
+          <p:nvPr>
+            <p:ph sz="quarter" idx="10"/>
+          </p:nvPr>
+        </p:nvSpPr>
+        <p:spPr>
+          <a:xfrm>
+            <a:off x="365759" y="1971041"/>
+            <a:ext cx="10962641" cy="3820160"/>
+          </a:xfrm>
+          <a:prstGeom prst="rect">
+            <a:avLst/>
+          </a:prstGeom>
+        </p:spPr>
+        <p:txBody>
+          <a:bodyPr>
+            <a:normAutofit/>
+          </a:bodyPr>
+          <a:lstStyle/>
+          <a:p>
+            <a:pPr marL="912271" lvl="1" indent="-457200">
+              <a:buFont typeface="Wingdings" panose="05000000000000000000" pitchFamily="2" charset="2"/>
+              <a:buChar char="§"/>
+            </a:pPr>
+            <a:endParaRPr lang="en-US" sz="2800" dirty="0">
+              <a:solidFill>
+                <a:schemeClr val="bg2"/>
+              </a:solidFill>
+              <a:latin typeface="Arial" panose="020B0604020202020204" pitchFamily="34" charset="0"/>
+              <a:cs typeface="Arial" panose="020B0604020202020204" pitchFamily="34" charset="0"/>
+            </a:endParaRPr>
+          </a:p>
+          <a:p>
+            <a:pPr marL="912271" lvl="1" indent="-457200">
+              <a:buFont typeface="Wingdings" panose="05000000000000000000" pitchFamily="2" charset="2"/>
+              <a:buChar char="§"/>
+            </a:pPr>
+            <a:r>
+              <a:rPr lang="en-US" sz="2800" dirty="0">
+                <a:solidFill>
+                  <a:schemeClr val="bg2"/>
+                </a:solidFill>
+                <a:latin typeface="Arial" panose="020B0604020202020204" pitchFamily="34" charset="0"/>
+                <a:cs typeface="Arial" panose="020B0604020202020204" pitchFamily="34" charset="0"/>
+              </a:rPr>
+              <a:t>Integrate TFS, Gitlab, OneNote</a:t>
+            </a:r>
+          </a:p>
+          <a:p>
+            <a:pPr marL="912271" lvl="1" indent="-457200">
+              <a:buFont typeface="Wingdings" panose="05000000000000000000" pitchFamily="2" charset="2"/>
+              <a:buChar char="§"/>
+            </a:pPr>
+            <a:r>
+              <a:rPr lang="en-US" sz="2800" dirty="0">
+                <a:solidFill>
+                  <a:schemeClr val="bg2"/>
+                </a:solidFill>
+                <a:latin typeface="Arial" panose="020B0604020202020204" pitchFamily="34" charset="0"/>
+                <a:cs typeface="Arial" panose="020B0604020202020204" pitchFamily="34" charset="0"/>
+              </a:rPr>
+              <a:t>Use metadata of incidents for analytics</a:t>
+            </a:r>
+            <a:endParaRPr lang="en-US" sz="2800" dirty="0">
+              <a:solidFill>
+                <a:srgbClr val="007DB8"/>
+              </a:solidFill>
+              <a:latin typeface="Arial" panose="020B0604020202020204" pitchFamily="34" charset="0"/>
+              <a:cs typeface="Arial" panose="020B0604020202020204" pitchFamily="34" charset="0"/>
+            </a:endParaRPr>
+          </a:p>
+          <a:p>
+            <a:pPr marL="912271" lvl="1" indent="-457200">
+              <a:buFont typeface="Wingdings" panose="05000000000000000000" pitchFamily="2" charset="2"/>
+              <a:buChar char="§"/>
+            </a:pPr>
+            <a:r>
+              <a:rPr lang="en-US" sz="2800" dirty="0">
+                <a:solidFill>
+                  <a:schemeClr val="bg2"/>
+                </a:solidFill>
+                <a:latin typeface="Arial" panose="020B0604020202020204" pitchFamily="34" charset="0"/>
+                <a:cs typeface="Arial" panose="020B0604020202020204" pitchFamily="34" charset="0"/>
+              </a:rPr>
+              <a:t>Filter incidents based on date range</a:t>
+            </a:r>
+          </a:p>
+          <a:p>
+            <a:pPr marL="912271" lvl="1" indent="-457200">
+              <a:buFont typeface="Wingdings" panose="05000000000000000000" pitchFamily="2" charset="2"/>
+              <a:buChar char="§"/>
+            </a:pPr>
+            <a:r>
+              <a:rPr lang="en-US" sz="2800" dirty="0">
+                <a:solidFill>
+                  <a:schemeClr val="bg2"/>
+                </a:solidFill>
+                <a:latin typeface="Arial" panose="020B0604020202020204" pitchFamily="34" charset="0"/>
+                <a:cs typeface="Arial" panose="020B0604020202020204" pitchFamily="34" charset="0"/>
+              </a:rPr>
+              <a:t>Notify the user of updates on previously saved searches</a:t>
+            </a:r>
+          </a:p>
+          <a:p>
+            <a:pPr marL="912271" lvl="1" indent="-457200">
+              <a:buFont typeface="Wingdings" panose="05000000000000000000" pitchFamily="2" charset="2"/>
+              <a:buChar char="§"/>
+            </a:pPr>
+            <a:r>
+              <a:rPr lang="en-US" sz="2800" dirty="0">
+                <a:solidFill>
+                  <a:schemeClr val="bg2"/>
+                </a:solidFill>
+                <a:latin typeface="Arial" panose="020B0604020202020204" pitchFamily="34" charset="0"/>
+                <a:cs typeface="Arial" panose="020B0604020202020204" pitchFamily="34" charset="0"/>
+              </a:rPr>
+              <a:t>Get user feedback</a:t>
+            </a:r>
+            <a:endParaRPr lang="en-US" sz="2400" dirty="0">
+              <a:solidFill>
+                <a:schemeClr val="tx1"/>
+              </a:solidFill>
+            </a:endParaRPr>
+          </a:p>
+          <a:p>
+            <a:pPr marL="797971" lvl="1" indent="-342900">
+              <a:buFontTx/>
+              <a:buChar char="-"/>
+            </a:pPr>
+            <a:endParaRPr lang="en-US" sz="2133" dirty="0">
+              <a:solidFill>
+                <a:schemeClr val="tx1"/>
+              </a:solidFill>
+            </a:endParaRPr>
+          </a:p>
+        </p:txBody>
+      </p:sp>
+      <p:pic>
+        <p:nvPicPr>
+          <p:cNvPr id="4" name="Picture 3" descr="A close up of a logo&#10;&#10;Description generated with very high confidence">
+            <a:extLst>
+              <a:ext uri="{FF2B5EF4-FFF2-40B4-BE49-F238E27FC236}">
+                <a16:creationId xmlns:a16="http://schemas.microsoft.com/office/drawing/2014/main" id="{B6CD0ADE-BB29-458E-AD3F-60AA8FDC300C}"/>
+              </a:ext>
+            </a:extLst>
+          </p:cNvPr>
+          <p:cNvPicPr/>
+          <p:nvPr/>
+        </p:nvPicPr>
+        <p:blipFill>
+          <a:blip r:embed="rId3" cstate="print">
+            <a:extLst>
+              <a:ext uri="{28A0092B-C50C-407E-A947-70E740481C1C}">
+                <a14:useLocalDpi xmlns:a14="http://schemas.microsoft.com/office/drawing/2010/main" val="0"/>
+              </a:ext>
+            </a:extLst>
+          </a:blip>
+          <a:stretch>
+            <a:fillRect/>
+          </a:stretch>
+        </p:blipFill>
+        <p:spPr>
+          <a:xfrm>
+            <a:off x="9469120" y="502497"/>
+            <a:ext cx="2146300" cy="789940"/>
+          </a:xfrm>
+          <a:prstGeom prst="rect">
+            <a:avLst/>
+          </a:prstGeom>
+        </p:spPr>
+      </p:pic>
+    </p:spTree>
+    <p:extLst>
+      <p:ext uri="{BB962C8B-B14F-4D97-AF65-F5344CB8AC3E}">
+        <p14:creationId xmlns:p14="http://schemas.microsoft.com/office/powerpoint/2010/main" val="3350793980"/>
+      </p:ext>
+    </p:extLst>
+  </p:cSld>
+  <p:clrMapOvr>
+    <a:masterClrMapping/>
+  </p:clrMapOvr>
+  <p:transition spd="med">
+    <p:wipe dir="r"/>
+  </p:transition>
+</p:sld>
+</file>
+
+<file path=ppt/slides/slide11.xml><?xml version="1.0" encoding="utf-8"?>
+<p:sld xmlns:a="http://schemas.openxmlformats.org/drawingml/2006/main" xmlns:r="http://schemas.openxmlformats.org/officeDocument/2006/relationships" xmlns:p="http://schemas.openxmlformats.org/presentationml/2006/main">
+  <p:cSld>
+    <p:spTree>
+      <p:nvGrpSpPr>
+        <p:cNvPr id="1" name=""/>
+        <p:cNvGrpSpPr/>
+        <p:nvPr/>
+      </p:nvGrpSpPr>
+      <p:grpSpPr>
+        <a:xfrm>
+          <a:off x="0" y="0"/>
+          <a:ext cx="0" cy="0"/>
+          <a:chOff x="0" y="0"/>
+          <a:chExt cx="0" cy="0"/>
+        </a:xfrm>
+      </p:grpSpPr>
+      <p:sp>
+        <p:nvSpPr>
           <p:cNvPr id="3" name="Title 2">
             <a:extLst>
               <a:ext uri="{FF2B5EF4-FFF2-40B4-BE49-F238E27FC236}">
@@ -17173,7 +17425,7 @@
 </p:sld>
 </file>
 
-<file path=ppt/slides/slide11.xml><?xml version="1.0" encoding="utf-8"?>
+<file path=ppt/slides/slide12.xml><?xml version="1.0" encoding="utf-8"?>
 <p:sld xmlns:a="http://schemas.openxmlformats.org/drawingml/2006/main" xmlns:r="http://schemas.openxmlformats.org/officeDocument/2006/relationships" xmlns:p="http://schemas.openxmlformats.org/presentationml/2006/main">
   <p:cSld>
     <p:spTree>
@@ -17456,7 +17708,17 @@
             </a:pPr>
             <a:r>
               <a:rPr lang="en-US" sz="3200" dirty="0"/>
-              <a:t>Design and Implementation</a:t>
+              <a:t>Design</a:t>
+            </a:r>
+          </a:p>
+          <a:p>
+            <a:pPr marL="342900" indent="-342900">
+              <a:buFont typeface="Arial" panose="020B0604020202020204" pitchFamily="34" charset="0"/>
+              <a:buChar char="•"/>
+            </a:pPr>
+            <a:r>
+              <a:rPr lang="en-US" sz="3200" dirty="0"/>
+              <a:t>Demo</a:t>
             </a:r>
           </a:p>
           <a:p>
@@ -17468,23 +17730,6 @@
               <a:rPr lang="en-US" sz="3200" dirty="0"/>
               <a:t>Future Enhancements</a:t>
             </a:r>
-          </a:p>
-          <a:p>
-            <a:pPr marL="342900" indent="-342900">
-              <a:buFont typeface="Arial" panose="020B0604020202020204" pitchFamily="34" charset="0"/>
-              <a:buChar char="•"/>
-            </a:pPr>
-            <a:r>
-              <a:rPr lang="en-US" sz="3200" dirty="0"/>
-              <a:t>Demo</a:t>
-            </a:r>
-          </a:p>
-          <a:p>
-            <a:pPr marL="342900" indent="-342900">
-              <a:buFont typeface="Arial" panose="020B0604020202020204" pitchFamily="34" charset="0"/>
-              <a:buChar char="•"/>
-            </a:pPr>
-            <a:endParaRPr lang="en-US" sz="3200" dirty="0"/>
           </a:p>
         </p:txBody>
       </p:sp>
@@ -17759,6 +18004,14 @@
 <file path=ppt/slides/slide4.xml><?xml version="1.0" encoding="utf-8"?>
 <p:sld xmlns:a="http://schemas.openxmlformats.org/drawingml/2006/main" xmlns:r="http://schemas.openxmlformats.org/officeDocument/2006/relationships" xmlns:p="http://schemas.openxmlformats.org/presentationml/2006/main">
   <p:cSld>
+    <p:bg>
+      <p:bgPr>
+        <a:solidFill>
+          <a:srgbClr val="006BBD"/>
+        </a:solidFill>
+        <a:effectLst/>
+      </p:bgPr>
+    </p:bg>
     <p:spTree>
       <p:nvGrpSpPr>
         <p:cNvPr id="1" name=""/>
@@ -17773,143 +18026,30 @@
           <a:chExt cx="0" cy="0"/>
         </a:xfrm>
       </p:grpSpPr>
-      <p:sp>
-        <p:nvSpPr>
-          <p:cNvPr id="3" name="Title 2"/>
-          <p:cNvSpPr>
-            <a:spLocks noGrp="1"/>
-          </p:cNvSpPr>
-          <p:nvPr>
-            <p:ph type="title"/>
-          </p:nvPr>
-        </p:nvSpPr>
-        <p:spPr>
-          <a:xfrm>
-            <a:off x="365759" y="362515"/>
-            <a:ext cx="9103361" cy="853440"/>
-          </a:xfrm>
-          <a:solidFill>
-            <a:schemeClr val="tx2"/>
-          </a:solidFill>
-        </p:spPr>
-        <p:txBody>
-          <a:bodyPr>
-            <a:normAutofit/>
-          </a:bodyPr>
-          <a:lstStyle/>
-          <a:p>
-            <a:r>
-              <a:rPr lang="en-US" dirty="0"/>
-              <a:t>Solution</a:t>
-            </a:r>
-            <a:endParaRPr lang="en-US" dirty="0">
-              <a:solidFill>
-                <a:schemeClr val="tx2">
-                  <a:lumMod val="75000"/>
-                </a:schemeClr>
-              </a:solidFill>
-            </a:endParaRPr>
-          </a:p>
-        </p:txBody>
-      </p:sp>
-      <p:sp>
-        <p:nvSpPr>
-          <p:cNvPr id="2" name="Content Placeholder 1"/>
-          <p:cNvSpPr>
-            <a:spLocks noGrp="1"/>
-          </p:cNvSpPr>
-          <p:nvPr>
-            <p:ph sz="quarter" idx="10"/>
-          </p:nvPr>
-        </p:nvSpPr>
-        <p:spPr>
-          <a:xfrm>
-            <a:off x="365759" y="2601385"/>
-            <a:ext cx="10610849" cy="1401655"/>
-          </a:xfrm>
-          <a:prstGeom prst="rect">
-            <a:avLst/>
-          </a:prstGeom>
-        </p:spPr>
-        <p:txBody>
-          <a:bodyPr>
-            <a:normAutofit/>
-          </a:bodyPr>
-          <a:lstStyle/>
-          <a:p>
-            <a:pPr lvl="1"/>
-            <a:r>
-              <a:rPr lang="en-US" sz="2133" dirty="0">
-                <a:solidFill>
-                  <a:schemeClr val="bg1"/>
-                </a:solidFill>
-              </a:rPr>
-              <a:t>INCyclopedia</a:t>
-            </a:r>
-          </a:p>
-          <a:p>
-            <a:pPr lvl="1"/>
-            <a:r>
-              <a:rPr lang="en-US" sz="2133" dirty="0">
-                <a:solidFill>
-                  <a:schemeClr val="tx1"/>
-                </a:solidFill>
-              </a:rPr>
-              <a:t>One stop shop to access past incidents and related knowledge base across multiple teams in DCE based on incident/keyword search</a:t>
-            </a:r>
-          </a:p>
-          <a:p>
-            <a:pPr marL="797971" lvl="1" indent="-342900">
-              <a:buFontTx/>
-              <a:buChar char="-"/>
-            </a:pPr>
-            <a:endParaRPr lang="en-US" sz="2133" dirty="0">
-              <a:solidFill>
-                <a:schemeClr val="tx1"/>
-              </a:solidFill>
-            </a:endParaRPr>
-          </a:p>
-          <a:p>
-            <a:pPr marL="797971" lvl="1" indent="-342900">
-              <a:buFontTx/>
-              <a:buChar char="-"/>
-            </a:pPr>
-            <a:endParaRPr lang="en-US" sz="2133" dirty="0">
-              <a:solidFill>
-                <a:schemeClr val="tx1"/>
-              </a:solidFill>
-            </a:endParaRPr>
-          </a:p>
-        </p:txBody>
-      </p:sp>
       <p:pic>
         <p:nvPicPr>
-          <p:cNvPr id="4" name="Picture 3" descr="A close up of a logo&#10;&#10;Description generated with very high confidence">
+          <p:cNvPr id="7" name="Picture 6">
             <a:extLst>
               <a:ext uri="{FF2B5EF4-FFF2-40B4-BE49-F238E27FC236}">
-                <a16:creationId xmlns:a16="http://schemas.microsoft.com/office/drawing/2014/main" id="{B6CD0ADE-BB29-458E-AD3F-60AA8FDC300C}"/>
+                <a16:creationId xmlns:a16="http://schemas.microsoft.com/office/drawing/2014/main" id="{E0AD0F38-11F5-42FE-99B8-614BA7B15DB3}"/>
               </a:ext>
             </a:extLst>
           </p:cNvPr>
-          <p:cNvPicPr/>
+          <p:cNvPicPr>
+            <a:picLocks noChangeAspect="1"/>
+          </p:cNvPicPr>
           <p:nvPr/>
         </p:nvPicPr>
         <p:blipFill>
-          <a:blip r:embed="rId3" cstate="print">
-            <a:extLst>
-              <a:ext uri="{28A0092B-C50C-407E-A947-70E740481C1C}">
-                <a14:useLocalDpi xmlns:a14="http://schemas.microsoft.com/office/drawing/2010/main" val="0"/>
-              </a:ext>
-            </a:extLst>
-          </a:blip>
+          <a:blip r:embed="rId2"/>
           <a:stretch>
             <a:fillRect/>
           </a:stretch>
         </p:blipFill>
         <p:spPr>
           <a:xfrm>
-            <a:off x="9469120" y="502497"/>
-            <a:ext cx="2146300" cy="789940"/>
+            <a:off x="2255202" y="2088038"/>
+            <a:ext cx="8245664" cy="2681923"/>
           </a:xfrm>
           <a:prstGeom prst="rect">
             <a:avLst/>
@@ -17919,7 +18059,7 @@
     </p:spTree>
     <p:extLst>
       <p:ext uri="{BB962C8B-B14F-4D97-AF65-F5344CB8AC3E}">
-        <p14:creationId xmlns:p14="http://schemas.microsoft.com/office/powerpoint/2010/main" val="1397366578"/>
+        <p14:creationId xmlns:p14="http://schemas.microsoft.com/office/powerpoint/2010/main" val="2332533428"/>
       </p:ext>
     </p:extLst>
   </p:cSld>
@@ -17970,17 +18110,14 @@
         </p:spPr>
         <p:txBody>
           <a:bodyPr>
-            <a:normAutofit fontScale="90000"/>
+            <a:normAutofit/>
           </a:bodyPr>
           <a:lstStyle/>
           <a:p>
             <a:r>
-              <a:rPr lang="en-US" sz="4000" dirty="0"/>
-              <a:t>Future Enhancements</a:t>
+              <a:rPr lang="en-US" dirty="0"/>
+              <a:t>Solution</a:t>
             </a:r>
-            <a:br>
-              <a:rPr lang="en-US" sz="4000" dirty="0"/>
-            </a:br>
             <a:endParaRPr lang="en-US" dirty="0">
               <a:solidFill>
                 <a:schemeClr val="tx2">
@@ -18004,7 +18141,7 @@
         <p:spPr>
           <a:xfrm>
             <a:off x="365759" y="2601385"/>
-            <a:ext cx="10610849" cy="1442295"/>
+            <a:ext cx="10610849" cy="1401655"/>
           </a:xfrm>
           <a:prstGeom prst="rect">
             <a:avLst/>
@@ -18016,59 +18153,32 @@
           </a:bodyPr>
           <a:lstStyle/>
           <a:p>
-            <a:pPr marL="912271" lvl="1" indent="-457200">
+            <a:pPr marL="797971" lvl="1" indent="-342900">
               <a:buFont typeface="Wingdings" panose="05000000000000000000" pitchFamily="2" charset="2"/>
               <a:buChar char="§"/>
             </a:pPr>
             <a:r>
-              <a:rPr lang="en-US" sz="2800" dirty="0">
+              <a:rPr lang="en-US" sz="2133" dirty="0">
                 <a:solidFill>
-                  <a:schemeClr val="bg2"/>
+                  <a:schemeClr val="tx1"/>
                 </a:solidFill>
-                <a:latin typeface="Arial" panose="020B0604020202020204" pitchFamily="34" charset="0"/>
-                <a:cs typeface="Arial" panose="020B0604020202020204" pitchFamily="34" charset="0"/>
               </a:rPr>
-              <a:t>Filter Incidents based on Date Range</a:t>
+              <a:t>One stop shop to access past incidents and related knowledge base across multiple teams in DCE based on incident/keyword search</a:t>
             </a:r>
           </a:p>
           <a:p>
-            <a:pPr marL="912271" lvl="1" indent="-457200">
+            <a:pPr marL="797971" lvl="1" indent="-342900">
               <a:buFont typeface="Wingdings" panose="05000000000000000000" pitchFamily="2" charset="2"/>
               <a:buChar char="§"/>
             </a:pPr>
             <a:r>
-              <a:rPr lang="en-US" sz="2800" dirty="0">
+              <a:rPr lang="en-US" sz="2133" dirty="0">
                 <a:solidFill>
-                  <a:schemeClr val="bg2"/>
+                  <a:schemeClr val="tx1"/>
                 </a:solidFill>
-                <a:latin typeface="Arial" panose="020B0604020202020204" pitchFamily="34" charset="0"/>
-                <a:cs typeface="Arial" panose="020B0604020202020204" pitchFamily="34" charset="0"/>
               </a:rPr>
-              <a:t>Add more meta Data for Incidents</a:t>
+              <a:t>Provide analytics based on past incidents</a:t>
             </a:r>
-          </a:p>
-          <a:p>
-            <a:pPr marL="912271" lvl="1" indent="-457200">
-              <a:buFont typeface="Wingdings" panose="05000000000000000000" pitchFamily="2" charset="2"/>
-              <a:buChar char="§"/>
-            </a:pPr>
-            <a:r>
-              <a:rPr lang="en-US" sz="2800" dirty="0">
-                <a:solidFill>
-                  <a:schemeClr val="bg2"/>
-                </a:solidFill>
-                <a:latin typeface="Arial" panose="020B0604020202020204" pitchFamily="34" charset="0"/>
-                <a:cs typeface="Arial" panose="020B0604020202020204" pitchFamily="34" charset="0"/>
-              </a:rPr>
-              <a:t>Integrate TFS, Gitlab</a:t>
-            </a:r>
-            <a:endParaRPr lang="en-US" sz="2800" dirty="0">
-              <a:solidFill>
-                <a:srgbClr val="007DB8"/>
-              </a:solidFill>
-              <a:latin typeface="Arial" panose="020B0604020202020204" pitchFamily="34" charset="0"/>
-              <a:cs typeface="Arial" panose="020B0604020202020204" pitchFamily="34" charset="0"/>
-            </a:endParaRPr>
           </a:p>
           <a:p>
             <a:pPr marL="797971" lvl="1" indent="-342900">
@@ -18131,7 +18241,7 @@
     </p:spTree>
     <p:extLst>
       <p:ext uri="{BB962C8B-B14F-4D97-AF65-F5344CB8AC3E}">
-        <p14:creationId xmlns:p14="http://schemas.microsoft.com/office/powerpoint/2010/main" val="3350793980"/>
+        <p14:creationId xmlns:p14="http://schemas.microsoft.com/office/powerpoint/2010/main" val="1397366578"/>
       </p:ext>
     </p:extLst>
   </p:cSld>
@@ -18544,7 +18654,7 @@
         </p:nvSpPr>
         <p:spPr>
           <a:xfrm>
-            <a:off x="5709920" y="2570696"/>
+            <a:off x="5709920" y="2489416"/>
             <a:ext cx="1849120" cy="307777"/>
           </a:xfrm>
           <a:prstGeom prst="rect">
@@ -19105,7 +19215,7 @@
 </file>
 
 <file path=ppt/slides/slide8.xml><?xml version="1.0" encoding="utf-8"?>
-<p:sld xmlns:a="http://schemas.openxmlformats.org/drawingml/2006/main" xmlns:r="http://schemas.openxmlformats.org/officeDocument/2006/relationships" xmlns:p="http://schemas.openxmlformats.org/presentationml/2006/main">
+<p:sld xmlns:a="http://schemas.openxmlformats.org/drawingml/2006/main" xmlns:r="http://schemas.openxmlformats.org/officeDocument/2006/relationships" xmlns:p="http://schemas.openxmlformats.org/presentationml/2006/main" show="0">
   <p:cSld>
     <p:spTree>
       <p:nvGrpSpPr>
